--- a/SG200X/02_SG200X_Common_HW_DOC/01_SOPHGO EMI问题常见分析思路与措施.pptx
+++ b/SG200X/02_SG200X_Common_HW_DOC/01_SOPHGO EMI问题常见分析思路与措施.pptx
@@ -5,31 +5,31 @@
     <p:sldMasterId id="2147483648" r:id="rId1"/>
   </p:sldMasterIdLst>
   <p:notesMasterIdLst>
-    <p:notesMasterId r:id="rId19"/>
+    <p:notesMasterId r:id="rId20"/>
   </p:notesMasterIdLst>
   <p:sldIdLst>
-    <p:sldId id="2851" r:id="rId2"/>
-    <p:sldId id="788" r:id="rId3"/>
-    <p:sldId id="2933" r:id="rId4"/>
-    <p:sldId id="2934" r:id="rId5"/>
-    <p:sldId id="2935" r:id="rId6"/>
-    <p:sldId id="2936" r:id="rId7"/>
-    <p:sldId id="2937" r:id="rId8"/>
-    <p:sldId id="2938" r:id="rId9"/>
-    <p:sldId id="2969" r:id="rId10"/>
-    <p:sldId id="2970" r:id="rId11"/>
-    <p:sldId id="2971" r:id="rId12"/>
-    <p:sldId id="2939" r:id="rId13"/>
-    <p:sldId id="2941" r:id="rId14"/>
-    <p:sldId id="2940" r:id="rId15"/>
-    <p:sldId id="2942" r:id="rId16"/>
-    <p:sldId id="2972" r:id="rId17"/>
-    <p:sldId id="835" r:id="rId18"/>
+    <p:sldId id="2851" r:id="rId3"/>
+    <p:sldId id="788" r:id="rId4"/>
+    <p:sldId id="2933" r:id="rId5"/>
+    <p:sldId id="2934" r:id="rId6"/>
+    <p:sldId id="2935" r:id="rId7"/>
+    <p:sldId id="2936" r:id="rId8"/>
+    <p:sldId id="2937" r:id="rId9"/>
+    <p:sldId id="2938" r:id="rId10"/>
+    <p:sldId id="2969" r:id="rId11"/>
+    <p:sldId id="2970" r:id="rId12"/>
+    <p:sldId id="2971" r:id="rId13"/>
+    <p:sldId id="2939" r:id="rId14"/>
+    <p:sldId id="2941" r:id="rId15"/>
+    <p:sldId id="2940" r:id="rId16"/>
+    <p:sldId id="2942" r:id="rId17"/>
+    <p:sldId id="2972" r:id="rId18"/>
+    <p:sldId id="835" r:id="rId19"/>
   </p:sldIdLst>
   <p:sldSz cx="12192000" cy="6858000"/>
   <p:notesSz cx="6858000" cy="9144000"/>
   <p:custDataLst>
-    <p:tags r:id="rId20"/>
+    <p:tags r:id="rId24"/>
   </p:custDataLst>
   <p:defaultTextStyle>
     <a:defPPr marL="0" marR="0" indent="0" algn="l" defTabSz="914400" rtl="0" fontAlgn="auto" latinLnBrk="1" hangingPunct="0">
@@ -319,11 +319,6 @@
       </a:defRPr>
     </a:lvl9pPr>
   </p:defaultTextStyle>
-  <p:extLst>
-    <p:ext uri="{EFAFB233-063F-42B5-8137-9DF3F51BA10A}">
-      <p15:sldGuideLst xmlns:p15="http://schemas.microsoft.com/office/powerpoint/2012/main"/>
-    </p:ext>
-  </p:extLst>
 </p:presentation>
 </file>
 
@@ -371,9 +366,7 @@
         <p:txBody>
           <a:bodyPr/>
           <a:lstStyle/>
-          <a:p>
-            <a:endParaRPr/>
-          </a:p>
+          <a:p/>
         </p:txBody>
       </p:sp>
       <p:sp>
@@ -398,9 +391,7 @@
         <p:txBody>
           <a:bodyPr/>
           <a:lstStyle/>
-          <a:p>
-            <a:endParaRPr/>
-          </a:p>
+          <a:p/>
         </p:txBody>
       </p:sp>
     </p:spTree>
@@ -718,7 +709,6 @@
           <a:p>
             <a:fld id="{176010F5-1FDB-4412-9DA5-0DC277F3AA47}" type="datetime2">
               <a:rPr lang="zh-TW" altLang="en-US" smtClean="0"/>
-              <a:t>2023年12月18日</a:t>
             </a:fld>
             <a:endParaRPr lang="zh-TW" altLang="en-US" dirty="0"/>
           </a:p>
@@ -750,6 +740,7 @@
               <a:rPr lang="zh-TW" altLang="en-US" noProof="0" dirty="0"/>
               <a:t>新增頁尾</a:t>
             </a:r>
+            <a:endParaRPr lang="zh-TW" altLang="en-US" noProof="0" dirty="0"/>
           </a:p>
         </p:txBody>
       </p:sp>
@@ -777,7 +768,6 @@
           <a:p>
             <a:fld id="{401CF334-2D5C-4859-84A6-CA7E6E43FAEB}" type="slidenum">
               <a:rPr lang="en-US" altLang="zh-TW" noProof="0" smtClean="0"/>
-              <a:t>‹#›</a:t>
             </a:fld>
             <a:endParaRPr lang="zh-TW" altLang="en-US" noProof="0" dirty="0"/>
           </a:p>
@@ -812,13 +802,13 @@
   <p:clrMapOvr>
     <a:overrideClrMapping bg1="lt1" tx1="dk1" bg2="lt2" tx2="dk2" accent1="accent1" accent2="accent2" accent3="accent3" accent4="accent4" accent5="accent5" accent6="accent6" hlink="hlink" folHlink="folHlink"/>
   </p:clrMapOvr>
-  <mc:AlternateContent xmlns:mc="http://schemas.openxmlformats.org/markup-compatibility/2006" xmlns:p14="http://schemas.microsoft.com/office/powerpoint/2010/main">
-    <mc:Choice Requires="p14">
+  <mc:AlternateContent xmlns:mc="http://schemas.openxmlformats.org/markup-compatibility/2006">
+    <mc:Choice xmlns:p14="http://schemas.microsoft.com/office/powerpoint/2010/main" Requires="p14">
       <p:transition spd="med" p14:dur="700">
         <p:fade/>
       </p:transition>
     </mc:Choice>
-    <mc:Fallback xmlns="">
+    <mc:Fallback>
       <p:transition spd="med">
         <p:fade/>
       </p:transition>
@@ -930,6 +920,7 @@
               <a:rPr lang="zh-TW" altLang="en-US" dirty="0"/>
               <a:t>編輯母片文字樣式</a:t>
             </a:r>
+            <a:endParaRPr lang="zh-TW" altLang="en-US" dirty="0"/>
           </a:p>
           <a:p>
             <a:pPr lvl="1" rtl="0" eaLnBrk="1" latinLnBrk="0" hangingPunct="1"/>
@@ -937,6 +928,7 @@
               <a:rPr lang="zh-TW" altLang="en-US" dirty="0"/>
               <a:t>第二層</a:t>
             </a:r>
+            <a:endParaRPr lang="zh-TW" altLang="en-US" dirty="0"/>
           </a:p>
           <a:p>
             <a:pPr lvl="2" rtl="0" eaLnBrk="1" latinLnBrk="0" hangingPunct="1"/>
@@ -944,6 +936,7 @@
               <a:rPr lang="zh-TW" altLang="en-US" dirty="0"/>
               <a:t>第三層</a:t>
             </a:r>
+            <a:endParaRPr lang="zh-TW" altLang="en-US" dirty="0"/>
           </a:p>
           <a:p>
             <a:pPr lvl="3" rtl="0" eaLnBrk="1" latinLnBrk="0" hangingPunct="1"/>
@@ -951,6 +944,7 @@
               <a:rPr lang="zh-TW" altLang="en-US" dirty="0"/>
               <a:t>第四層</a:t>
             </a:r>
+            <a:endParaRPr lang="zh-TW" altLang="en-US" dirty="0"/>
           </a:p>
           <a:p>
             <a:pPr lvl="4" rtl="0" eaLnBrk="1" latinLnBrk="0" hangingPunct="1"/>
@@ -983,7 +977,6 @@
           <a:p>
             <a:fld id="{1032A294-16A4-4EBE-BAE1-F92EFB453A48}" type="datetime2">
               <a:rPr lang="zh-TW" altLang="en-US" smtClean="0"/>
-              <a:t>2023年12月18日</a:t>
             </a:fld>
             <a:endParaRPr lang="zh-TW" altLang="en-US" dirty="0"/>
           </a:p>
@@ -1009,6 +1002,7 @@
               <a:rPr lang="zh-TW" altLang="en-US" dirty="0"/>
               <a:t>新增頁尾</a:t>
             </a:r>
+            <a:endParaRPr lang="zh-TW" altLang="en-US" dirty="0"/>
           </a:p>
         </p:txBody>
       </p:sp>
@@ -1030,7 +1024,6 @@
             <a:pPr rtl="0"/>
             <a:fld id="{401CF334-2D5C-4859-84A6-CA7E6E43FAEB}" type="slidenum">
               <a:rPr lang="en-US" altLang="zh-TW" smtClean="0"/>
-              <a:t>‹#›</a:t>
             </a:fld>
             <a:endParaRPr lang="zh-TW" altLang="en-US" dirty="0"/>
           </a:p>
@@ -1102,13 +1095,13 @@
   <p:clrMapOvr>
     <a:masterClrMapping/>
   </p:clrMapOvr>
-  <mc:AlternateContent xmlns:mc="http://schemas.openxmlformats.org/markup-compatibility/2006" xmlns:p14="http://schemas.microsoft.com/office/powerpoint/2010/main">
-    <mc:Choice Requires="p14">
+  <mc:AlternateContent xmlns:mc="http://schemas.openxmlformats.org/markup-compatibility/2006">
+    <mc:Choice xmlns:p14="http://schemas.microsoft.com/office/powerpoint/2010/main" Requires="p14">
       <p:transition spd="med" p14:dur="700">
         <p:fade/>
       </p:transition>
     </mc:Choice>
-    <mc:Fallback xmlns="">
+    <mc:Fallback>
       <p:transition spd="med">
         <p:fade/>
       </p:transition>
@@ -1296,6 +1289,7 @@
               <a:rPr lang="zh-TW" altLang="en-US" dirty="0"/>
               <a:t>編輯母片文字樣式</a:t>
             </a:r>
+            <a:endParaRPr lang="zh-TW" altLang="en-US" dirty="0"/>
           </a:p>
         </p:txBody>
       </p:sp>
@@ -1320,7 +1314,6 @@
           <a:p>
             <a:fld id="{B2F135DD-489F-40F6-9DF5-0023BF78E97D}" type="datetime2">
               <a:rPr lang="zh-TW" altLang="en-US" smtClean="0"/>
-              <a:t>2023年12月18日</a:t>
             </a:fld>
             <a:endParaRPr lang="zh-TW" altLang="en-US" dirty="0"/>
           </a:p>
@@ -1346,6 +1339,7 @@
               <a:rPr lang="zh-TW" altLang="en-US" dirty="0"/>
               <a:t>新增頁尾</a:t>
             </a:r>
+            <a:endParaRPr lang="zh-TW" altLang="en-US" dirty="0"/>
           </a:p>
         </p:txBody>
       </p:sp>
@@ -1367,7 +1361,6 @@
             <a:pPr rtl="0"/>
             <a:fld id="{401CF334-2D5C-4859-84A6-CA7E6E43FAEB}" type="slidenum">
               <a:rPr lang="en-US" altLang="zh-TW" smtClean="0"/>
-              <a:t>‹#›</a:t>
             </a:fld>
             <a:endParaRPr lang="zh-TW" altLang="en-US" dirty="0"/>
           </a:p>
@@ -1378,13 +1371,13 @@
   <p:clrMapOvr>
     <a:masterClrMapping/>
   </p:clrMapOvr>
-  <mc:AlternateContent xmlns:mc="http://schemas.openxmlformats.org/markup-compatibility/2006" xmlns:p14="http://schemas.microsoft.com/office/powerpoint/2010/main">
-    <mc:Choice Requires="p14">
+  <mc:AlternateContent xmlns:mc="http://schemas.openxmlformats.org/markup-compatibility/2006">
+    <mc:Choice xmlns:p14="http://schemas.microsoft.com/office/powerpoint/2010/main" Requires="p14">
       <p:transition spd="med" p14:dur="700">
         <p:fade/>
       </p:transition>
     </mc:Choice>
-    <mc:Fallback xmlns="">
+    <mc:Fallback>
       <p:transition spd="med">
         <p:fade/>
       </p:transition>
@@ -1502,6 +1495,7 @@
               <a:rPr lang="zh-TW" altLang="en-US" dirty="0"/>
               <a:t>編輯母片文字樣式</a:t>
             </a:r>
+            <a:endParaRPr lang="zh-TW" altLang="en-US" dirty="0"/>
           </a:p>
           <a:p>
             <a:pPr lvl="1" rtl="0" eaLnBrk="1" latinLnBrk="0" hangingPunct="1"/>
@@ -1509,6 +1503,7 @@
               <a:rPr lang="zh-TW" altLang="en-US" dirty="0"/>
               <a:t>第二層</a:t>
             </a:r>
+            <a:endParaRPr lang="zh-TW" altLang="en-US" dirty="0"/>
           </a:p>
           <a:p>
             <a:pPr lvl="2" rtl="0" eaLnBrk="1" latinLnBrk="0" hangingPunct="1"/>
@@ -1516,6 +1511,7 @@
               <a:rPr lang="zh-TW" altLang="en-US" dirty="0"/>
               <a:t>第三層</a:t>
             </a:r>
+            <a:endParaRPr lang="zh-TW" altLang="en-US" dirty="0"/>
           </a:p>
           <a:p>
             <a:pPr lvl="3" rtl="0" eaLnBrk="1" latinLnBrk="0" hangingPunct="1"/>
@@ -1523,6 +1519,7 @@
               <a:rPr lang="zh-TW" altLang="en-US" dirty="0"/>
               <a:t>第四層</a:t>
             </a:r>
+            <a:endParaRPr lang="zh-TW" altLang="en-US" dirty="0"/>
           </a:p>
           <a:p>
             <a:pPr lvl="4" rtl="0" eaLnBrk="1" latinLnBrk="0" hangingPunct="1"/>
@@ -1590,6 +1587,7 @@
               <a:rPr lang="zh-TW" altLang="en-US" dirty="0"/>
               <a:t>編輯母片文字樣式</a:t>
             </a:r>
+            <a:endParaRPr lang="zh-TW" altLang="en-US" dirty="0"/>
           </a:p>
           <a:p>
             <a:pPr lvl="1" rtl="0" eaLnBrk="1" latinLnBrk="0" hangingPunct="1"/>
@@ -1597,6 +1595,7 @@
               <a:rPr lang="zh-TW" altLang="en-US" dirty="0"/>
               <a:t>第二層</a:t>
             </a:r>
+            <a:endParaRPr lang="zh-TW" altLang="en-US" dirty="0"/>
           </a:p>
           <a:p>
             <a:pPr lvl="2" rtl="0" eaLnBrk="1" latinLnBrk="0" hangingPunct="1"/>
@@ -1604,6 +1603,7 @@
               <a:rPr lang="zh-TW" altLang="en-US" dirty="0"/>
               <a:t>第三層</a:t>
             </a:r>
+            <a:endParaRPr lang="zh-TW" altLang="en-US" dirty="0"/>
           </a:p>
           <a:p>
             <a:pPr lvl="3" rtl="0" eaLnBrk="1" latinLnBrk="0" hangingPunct="1"/>
@@ -1611,6 +1611,7 @@
               <a:rPr lang="zh-TW" altLang="en-US" dirty="0"/>
               <a:t>第四層</a:t>
             </a:r>
+            <a:endParaRPr lang="zh-TW" altLang="en-US" dirty="0"/>
           </a:p>
           <a:p>
             <a:pPr lvl="4" rtl="0" eaLnBrk="1" latinLnBrk="0" hangingPunct="1"/>
@@ -1646,7 +1647,6 @@
           <a:p>
             <a:fld id="{16C209C4-ED81-4BB2-901D-6F9161800EE0}" type="datetime2">
               <a:rPr lang="zh-TW" altLang="en-US" smtClean="0"/>
-              <a:t>2023年12月18日</a:t>
             </a:fld>
             <a:endParaRPr lang="zh-TW" altLang="en-US" dirty="0"/>
           </a:p>
@@ -1706,7 +1706,6 @@
           <a:p>
             <a:fld id="{401CF334-2D5C-4859-84A6-CA7E6E43FAEB}" type="slidenum">
               <a:rPr lang="en-US" altLang="zh-TW" smtClean="0"/>
-              <a:t>‹#›</a:t>
             </a:fld>
             <a:endParaRPr lang="zh-TW" altLang="en-US" dirty="0"/>
           </a:p>
@@ -1747,13 +1746,13 @@
   <p:clrMapOvr>
     <a:masterClrMapping/>
   </p:clrMapOvr>
-  <mc:AlternateContent xmlns:mc="http://schemas.openxmlformats.org/markup-compatibility/2006" xmlns:p14="http://schemas.microsoft.com/office/powerpoint/2010/main">
-    <mc:Choice Requires="p14">
+  <mc:AlternateContent xmlns:mc="http://schemas.openxmlformats.org/markup-compatibility/2006">
+    <mc:Choice xmlns:p14="http://schemas.microsoft.com/office/powerpoint/2010/main" Requires="p14">
       <p:transition spd="med" p14:dur="700">
         <p:fade/>
       </p:transition>
     </mc:Choice>
-    <mc:Fallback xmlns="">
+    <mc:Fallback>
       <p:transition spd="med">
         <p:fade/>
       </p:transition>
@@ -1865,6 +1864,7 @@
               <a:rPr lang="zh-TW" altLang="en-US"/>
               <a:t>編輯母片文字樣式</a:t>
             </a:r>
+            <a:endParaRPr lang="zh-TW" altLang="en-US"/>
           </a:p>
         </p:txBody>
       </p:sp>
@@ -1909,6 +1909,7 @@
               <a:rPr lang="zh-TW" altLang="en-US"/>
               <a:t>編輯母片文字樣式</a:t>
             </a:r>
+            <a:endParaRPr lang="zh-TW" altLang="en-US"/>
           </a:p>
           <a:p>
             <a:pPr lvl="1" rtl="0" eaLnBrk="1" latinLnBrk="0" hangingPunct="1"/>
@@ -1916,6 +1917,7 @@
               <a:rPr lang="zh-TW" altLang="en-US"/>
               <a:t>第二層</a:t>
             </a:r>
+            <a:endParaRPr lang="zh-TW" altLang="en-US"/>
           </a:p>
           <a:p>
             <a:pPr lvl="2" rtl="0" eaLnBrk="1" latinLnBrk="0" hangingPunct="1"/>
@@ -1923,6 +1925,7 @@
               <a:rPr lang="zh-TW" altLang="en-US"/>
               <a:t>第三層</a:t>
             </a:r>
+            <a:endParaRPr lang="zh-TW" altLang="en-US"/>
           </a:p>
           <a:p>
             <a:pPr lvl="3" rtl="0" eaLnBrk="1" latinLnBrk="0" hangingPunct="1"/>
@@ -1930,6 +1933,7 @@
               <a:rPr lang="zh-TW" altLang="en-US"/>
               <a:t>第四層</a:t>
             </a:r>
+            <a:endParaRPr lang="zh-TW" altLang="en-US"/>
           </a:p>
           <a:p>
             <a:pPr lvl="4" rtl="0" eaLnBrk="1" latinLnBrk="0" hangingPunct="1"/>
@@ -1992,6 +1996,7 @@
               <a:rPr lang="zh-TW" altLang="en-US"/>
               <a:t>編輯母片文字樣式</a:t>
             </a:r>
+            <a:endParaRPr lang="zh-TW" altLang="en-US"/>
           </a:p>
         </p:txBody>
       </p:sp>
@@ -2036,6 +2041,7 @@
               <a:rPr lang="zh-TW" altLang="en-US"/>
               <a:t>編輯母片文字樣式</a:t>
             </a:r>
+            <a:endParaRPr lang="zh-TW" altLang="en-US"/>
           </a:p>
           <a:p>
             <a:pPr lvl="1" rtl="0" eaLnBrk="1" latinLnBrk="0" hangingPunct="1"/>
@@ -2043,6 +2049,7 @@
               <a:rPr lang="zh-TW" altLang="en-US"/>
               <a:t>第二層</a:t>
             </a:r>
+            <a:endParaRPr lang="zh-TW" altLang="en-US"/>
           </a:p>
           <a:p>
             <a:pPr lvl="2" rtl="0" eaLnBrk="1" latinLnBrk="0" hangingPunct="1"/>
@@ -2050,6 +2057,7 @@
               <a:rPr lang="zh-TW" altLang="en-US"/>
               <a:t>第三層</a:t>
             </a:r>
+            <a:endParaRPr lang="zh-TW" altLang="en-US"/>
           </a:p>
           <a:p>
             <a:pPr lvl="3" rtl="0" eaLnBrk="1" latinLnBrk="0" hangingPunct="1"/>
@@ -2057,6 +2065,7 @@
               <a:rPr lang="zh-TW" altLang="en-US"/>
               <a:t>第四層</a:t>
             </a:r>
+            <a:endParaRPr lang="zh-TW" altLang="en-US"/>
           </a:p>
           <a:p>
             <a:pPr lvl="4" rtl="0" eaLnBrk="1" latinLnBrk="0" hangingPunct="1"/>
@@ -2089,7 +2098,6 @@
           <a:p>
             <a:fld id="{FD00FEF3-3DB6-4A7C-AB4D-ACE4B86A9E82}" type="datetime2">
               <a:rPr lang="zh-TW" altLang="en-US" smtClean="0"/>
-              <a:t>2023年12月18日</a:t>
             </a:fld>
             <a:endParaRPr lang="zh-TW" altLang="en-US" dirty="0"/>
           </a:p>
@@ -2115,6 +2123,7 @@
               <a:rPr lang="zh-TW" altLang="en-US" dirty="0"/>
               <a:t>新增頁尾</a:t>
             </a:r>
+            <a:endParaRPr lang="zh-TW" altLang="en-US" dirty="0"/>
           </a:p>
         </p:txBody>
       </p:sp>
@@ -2136,7 +2145,6 @@
             <a:pPr rtl="0"/>
             <a:fld id="{401CF334-2D5C-4859-84A6-CA7E6E43FAEB}" type="slidenum">
               <a:rPr lang="en-US" altLang="zh-TW" smtClean="0"/>
-              <a:t>‹#›</a:t>
             </a:fld>
             <a:endParaRPr lang="zh-TW" altLang="en-US" dirty="0"/>
           </a:p>
@@ -2177,13 +2185,13 @@
   <p:clrMapOvr>
     <a:masterClrMapping/>
   </p:clrMapOvr>
-  <mc:AlternateContent xmlns:mc="http://schemas.openxmlformats.org/markup-compatibility/2006" xmlns:p14="http://schemas.microsoft.com/office/powerpoint/2010/main">
-    <mc:Choice Requires="p14">
+  <mc:AlternateContent xmlns:mc="http://schemas.openxmlformats.org/markup-compatibility/2006">
+    <mc:Choice xmlns:p14="http://schemas.microsoft.com/office/powerpoint/2010/main" Requires="p14">
       <p:transition spd="med" p14:dur="700">
         <p:fade/>
       </p:transition>
     </mc:Choice>
-    <mc:Fallback xmlns="">
+    <mc:Fallback>
       <p:transition spd="med">
         <p:fade/>
       </p:transition>
@@ -2230,7 +2238,6 @@
           <a:p>
             <a:fld id="{025927D5-6AF4-4517-AA98-65218CDB69F3}" type="datetime2">
               <a:rPr lang="zh-TW" altLang="en-US" smtClean="0"/>
-              <a:t>2023年12月18日</a:t>
             </a:fld>
             <a:endParaRPr lang="zh-TW" altLang="en-US" dirty="0"/>
           </a:p>
@@ -2256,6 +2263,7 @@
               <a:rPr lang="zh-TW" altLang="en-US" dirty="0"/>
               <a:t>新增頁尾</a:t>
             </a:r>
+            <a:endParaRPr lang="zh-TW" altLang="en-US" dirty="0"/>
           </a:p>
         </p:txBody>
       </p:sp>
@@ -2277,7 +2285,6 @@
             <a:pPr rtl="0"/>
             <a:fld id="{401CF334-2D5C-4859-84A6-CA7E6E43FAEB}" type="slidenum">
               <a:rPr lang="en-US" altLang="zh-TW" smtClean="0"/>
-              <a:t>‹#›</a:t>
             </a:fld>
             <a:endParaRPr lang="zh-TW" altLang="en-US" dirty="0"/>
           </a:p>
@@ -2353,13 +2360,13 @@
   <p:clrMapOvr>
     <a:masterClrMapping/>
   </p:clrMapOvr>
-  <mc:AlternateContent xmlns:mc="http://schemas.openxmlformats.org/markup-compatibility/2006" xmlns:p14="http://schemas.microsoft.com/office/powerpoint/2010/main">
-    <mc:Choice Requires="p14">
+  <mc:AlternateContent xmlns:mc="http://schemas.openxmlformats.org/markup-compatibility/2006">
+    <mc:Choice xmlns:p14="http://schemas.microsoft.com/office/powerpoint/2010/main" Requires="p14">
       <p:transition spd="med" p14:dur="700">
         <p:fade/>
       </p:transition>
     </mc:Choice>
-    <mc:Fallback xmlns="">
+    <mc:Fallback>
       <p:transition spd="med">
         <p:fade/>
       </p:transition>
@@ -2446,7 +2453,6 @@
           <a:p>
             <a:fld id="{86CB4B4D-7CA3-9044-876B-883B54F8677D}" type="slidenum">
               <a:rPr lang="en-US" altLang="zh-TW" smtClean="0"/>
-              <a:t>‹#›</a:t>
             </a:fld>
             <a:endParaRPr dirty="0"/>
           </a:p>
@@ -2503,7 +2509,6 @@
           <a:p>
             <a:fld id="{86CB4B4D-7CA3-9044-876B-883B54F8677D}" type="slidenum">
               <a:rPr lang="en-US" altLang="zh-TW" smtClean="0"/>
-              <a:t>‹#›</a:t>
             </a:fld>
             <a:endParaRPr dirty="0"/>
           </a:p>
@@ -2653,6 +2658,7 @@
               <a:rPr lang="zh-TW" altLang="en-US" dirty="0"/>
               <a:t>編輯母片文字樣式</a:t>
             </a:r>
+            <a:endParaRPr lang="zh-TW" altLang="en-US" dirty="0"/>
           </a:p>
         </p:txBody>
       </p:sp>
@@ -2661,13 +2667,13 @@
   <p:clrMapOvr>
     <a:masterClrMapping/>
   </p:clrMapOvr>
-  <mc:AlternateContent xmlns:mc="http://schemas.openxmlformats.org/markup-compatibility/2006" xmlns:p14="http://schemas.microsoft.com/office/powerpoint/2010/main">
-    <mc:Choice Requires="p14">
+  <mc:AlternateContent xmlns:mc="http://schemas.openxmlformats.org/markup-compatibility/2006">
+    <mc:Choice xmlns:p14="http://schemas.microsoft.com/office/powerpoint/2010/main" Requires="p14">
       <p:transition spd="med" p14:dur="700">
         <p:fade/>
       </p:transition>
     </mc:Choice>
-    <mc:Fallback xmlns="">
+    <mc:Fallback>
       <p:transition spd="med">
         <p:fade/>
       </p:transition>
@@ -3053,6 +3059,7 @@
               <a:rPr lang="zh-TW" altLang="en-US" noProof="0" dirty="0"/>
               <a:t>按一下以編輯母片文字樣式</a:t>
             </a:r>
+            <a:endParaRPr lang="zh-TW" altLang="en-US" noProof="0" dirty="0"/>
           </a:p>
           <a:p>
             <a:pPr lvl="1" rtl="0" eaLnBrk="1" latinLnBrk="0" hangingPunct="1"/>
@@ -3060,6 +3067,7 @@
               <a:rPr lang="zh-TW" altLang="en-US" noProof="0" dirty="0"/>
               <a:t>第二層</a:t>
             </a:r>
+            <a:endParaRPr lang="zh-TW" altLang="en-US" noProof="0" dirty="0"/>
           </a:p>
           <a:p>
             <a:pPr lvl="2" rtl="0" eaLnBrk="1" latinLnBrk="0" hangingPunct="1"/>
@@ -3067,6 +3075,7 @@
               <a:rPr lang="zh-TW" altLang="en-US" noProof="0" dirty="0"/>
               <a:t>第三層</a:t>
             </a:r>
+            <a:endParaRPr lang="zh-TW" altLang="en-US" noProof="0" dirty="0"/>
           </a:p>
           <a:p>
             <a:pPr lvl="3" rtl="0" eaLnBrk="1" latinLnBrk="0" hangingPunct="1"/>
@@ -3074,6 +3083,7 @@
               <a:rPr lang="zh-TW" altLang="en-US" noProof="0" dirty="0"/>
               <a:t>第四層</a:t>
             </a:r>
+            <a:endParaRPr lang="zh-TW" altLang="en-US" noProof="0" dirty="0"/>
           </a:p>
           <a:p>
             <a:pPr lvl="4" rtl="0" eaLnBrk="1" latinLnBrk="0" hangingPunct="1"/>
@@ -3081,6 +3091,7 @@
               <a:rPr lang="zh-TW" altLang="en-US" noProof="0" dirty="0"/>
               <a:t>第五層</a:t>
             </a:r>
+            <a:endParaRPr lang="zh-TW" altLang="en-US" noProof="0" dirty="0"/>
           </a:p>
         </p:txBody>
       </p:sp>
@@ -3119,7 +3130,6 @@
           <a:p>
             <a:fld id="{D0565B32-B448-4814-A34B-8E4078D6BFB9}" type="datetime2">
               <a:rPr lang="zh-TW" altLang="en-US" smtClean="0"/>
-              <a:t>2023年12月18日</a:t>
             </a:fld>
             <a:endParaRPr lang="zh-TW" altLang="en-US" dirty="0"/>
           </a:p>
@@ -3162,6 +3172,7 @@
               <a:rPr lang="zh-TW" altLang="en-US" noProof="0" dirty="0"/>
               <a:t>新增頁尾</a:t>
             </a:r>
+            <a:endParaRPr lang="zh-TW" altLang="en-US" noProof="0" dirty="0"/>
           </a:p>
         </p:txBody>
       </p:sp>
@@ -3200,7 +3211,6 @@
           <a:p>
             <a:fld id="{401CF334-2D5C-4859-84A6-CA7E6E43FAEB}" type="slidenum">
               <a:rPr lang="en-US" altLang="zh-TW" noProof="0" smtClean="0"/>
-              <a:t>‹#›</a:t>
             </a:fld>
             <a:endParaRPr lang="zh-TW" altLang="en-US" noProof="0" dirty="0"/>
           </a:p>
@@ -3253,13 +3263,13 @@
     <p:sldLayoutId id="2147483655" r:id="rId7"/>
     <p:sldLayoutId id="2147483656" r:id="rId8"/>
   </p:sldLayoutIdLst>
-  <mc:AlternateContent xmlns:mc="http://schemas.openxmlformats.org/markup-compatibility/2006" xmlns:p14="http://schemas.microsoft.com/office/powerpoint/2010/main">
-    <mc:Choice Requires="p14">
+  <mc:AlternateContent xmlns:mc="http://schemas.openxmlformats.org/markup-compatibility/2006">
+    <mc:Choice xmlns:p14="http://schemas.microsoft.com/office/powerpoint/2010/main" Requires="p14">
       <p:transition spd="med" p14:dur="700">
         <p:fade/>
       </p:transition>
     </mc:Choice>
-    <mc:Fallback xmlns="">
+    <mc:Fallback>
       <p:transition spd="med">
         <p:fade/>
       </p:transition>
@@ -3667,6 +3677,7 @@
               <a:rPr lang="en-US" altLang="zh-TW" dirty="0"/>
               <a:t>Version: 0.2</a:t>
             </a:r>
+            <a:endParaRPr lang="en-US" altLang="zh-TW" dirty="0"/>
           </a:p>
           <a:p>
             <a:pPr algn="l"/>
@@ -3674,6 +3685,7 @@
               <a:rPr lang="en-US" altLang="zh-TW" dirty="0"/>
               <a:t>Release date: 2022/05/05</a:t>
             </a:r>
+            <a:endParaRPr lang="en-US" altLang="zh-TW" dirty="0"/>
           </a:p>
           <a:p>
             <a:pPr algn="l"/>
@@ -3698,13 +3710,13 @@
   <p:clrMapOvr>
     <a:masterClrMapping/>
   </p:clrMapOvr>
-  <mc:AlternateContent xmlns:mc="http://schemas.openxmlformats.org/markup-compatibility/2006" xmlns:p14="http://schemas.microsoft.com/office/powerpoint/2010/main">
-    <mc:Choice Requires="p14">
+  <mc:AlternateContent xmlns:mc="http://schemas.openxmlformats.org/markup-compatibility/2006">
+    <mc:Choice xmlns:p14="http://schemas.microsoft.com/office/powerpoint/2010/main" Requires="p14">
       <p:transition spd="med" p14:dur="700">
         <p:fade/>
       </p:transition>
     </mc:Choice>
-    <mc:Fallback xmlns="">
+    <mc:Fallback>
       <p:transition spd="med">
         <p:fade/>
       </p:transition>
@@ -3830,10 +3842,6 @@
               <a:rPr lang="zh-CN" altLang="en-US" sz="2800" dirty="0"/>
               <a:t>驱动能力</a:t>
             </a:r>
-            <a:r>
-              <a:rPr lang="en-US" altLang="zh-TW" sz="2800" dirty="0"/>
-              <a:t/>
-            </a:r>
             <a:br>
               <a:rPr lang="en-US" altLang="zh-TW" sz="2800" dirty="0"/>
             </a:br>
@@ -3856,6 +3864,7 @@
               <a:rPr lang="zh-CN" altLang="en-US" sz="2800" dirty="0"/>
               <a:t>转换速率</a:t>
             </a:r>
+            <a:endParaRPr lang="zh-CN" altLang="en-US" sz="2800" dirty="0"/>
           </a:p>
         </p:txBody>
       </p:sp>
@@ -3948,6 +3957,11 @@
               </a:rPr>
               <a:t>里可以设置如上</a:t>
             </a:r>
+            <a:endParaRPr lang="zh-CN" altLang="en-US" sz="2000" dirty="0">
+              <a:solidFill>
+                <a:srgbClr val="FF0000"/>
+              </a:solidFill>
+            </a:endParaRPr>
           </a:p>
         </p:txBody>
       </p:sp>
@@ -3972,62 +3986,14 @@
                 <a:tableStyleId>{5C22544A-7EE6-4342-B048-85BDC9FD1C3A}</a:tableStyleId>
               </a:tblPr>
               <a:tblGrid>
-                <a:gridCol w="780415">
-                  <a:extLst>
-                    <a:ext uri="{9D8B030D-6E8A-4147-A177-3AD203B41FA5}">
-                      <a16:colId xmlns:a16="http://schemas.microsoft.com/office/drawing/2014/main" val="20000"/>
-                    </a:ext>
-                  </a:extLst>
-                </a:gridCol>
-                <a:gridCol w="1614805">
-                  <a:extLst>
-                    <a:ext uri="{9D8B030D-6E8A-4147-A177-3AD203B41FA5}">
-                      <a16:colId xmlns:a16="http://schemas.microsoft.com/office/drawing/2014/main" val="20001"/>
-                    </a:ext>
-                  </a:extLst>
-                </a:gridCol>
-                <a:gridCol w="801370">
-                  <a:extLst>
-                    <a:ext uri="{9D8B030D-6E8A-4147-A177-3AD203B41FA5}">
-                      <a16:colId xmlns:a16="http://schemas.microsoft.com/office/drawing/2014/main" val="20002"/>
-                    </a:ext>
-                  </a:extLst>
-                </a:gridCol>
-                <a:gridCol w="1957705">
-                  <a:extLst>
-                    <a:ext uri="{9D8B030D-6E8A-4147-A177-3AD203B41FA5}">
-                      <a16:colId xmlns:a16="http://schemas.microsoft.com/office/drawing/2014/main" val="20003"/>
-                    </a:ext>
-                  </a:extLst>
-                </a:gridCol>
-                <a:gridCol w="367030">
-                  <a:extLst>
-                    <a:ext uri="{9D8B030D-6E8A-4147-A177-3AD203B41FA5}">
-                      <a16:colId xmlns:a16="http://schemas.microsoft.com/office/drawing/2014/main" val="20004"/>
-                    </a:ext>
-                  </a:extLst>
-                </a:gridCol>
-                <a:gridCol w="470535">
-                  <a:extLst>
-                    <a:ext uri="{9D8B030D-6E8A-4147-A177-3AD203B41FA5}">
-                      <a16:colId xmlns:a16="http://schemas.microsoft.com/office/drawing/2014/main" val="20005"/>
-                    </a:ext>
-                  </a:extLst>
-                </a:gridCol>
-                <a:gridCol w="3073400">
-                  <a:extLst>
-                    <a:ext uri="{9D8B030D-6E8A-4147-A177-3AD203B41FA5}">
-                      <a16:colId xmlns:a16="http://schemas.microsoft.com/office/drawing/2014/main" val="20006"/>
-                    </a:ext>
-                  </a:extLst>
-                </a:gridCol>
-                <a:gridCol w="3072130">
-                  <a:extLst>
-                    <a:ext uri="{9D8B030D-6E8A-4147-A177-3AD203B41FA5}">
-                      <a16:colId xmlns:a16="http://schemas.microsoft.com/office/drawing/2014/main" val="20007"/>
-                    </a:ext>
-                  </a:extLst>
-                </a:gridCol>
+                <a:gridCol w="780415"/>
+                <a:gridCol w="1614805"/>
+                <a:gridCol w="801370"/>
+                <a:gridCol w="1957705"/>
+                <a:gridCol w="367030"/>
+                <a:gridCol w="470535"/>
+                <a:gridCol w="3073400"/>
+                <a:gridCol w="3072130"/>
               </a:tblGrid>
               <a:tr h="381000">
                 <a:tc>
@@ -4424,11 +4390,6 @@
                     <a:noFill/>
                   </a:tcPr>
                 </a:tc>
-                <a:extLst>
-                  <a:ext uri="{0D108BD9-81ED-4DB2-BD59-A6C34878D82A}">
-                    <a16:rowId xmlns:a16="http://schemas.microsoft.com/office/drawing/2014/main" val="10000"/>
-                  </a:ext>
-                </a:extLst>
               </a:tr>
               <a:tr h="381000">
                 <a:tc>
@@ -4795,11 +4756,6 @@
                     <a:noFill/>
                   </a:tcPr>
                 </a:tc>
-                <a:extLst>
-                  <a:ext uri="{0D108BD9-81ED-4DB2-BD59-A6C34878D82A}">
-                    <a16:rowId xmlns:a16="http://schemas.microsoft.com/office/drawing/2014/main" val="10001"/>
-                  </a:ext>
-                </a:extLst>
               </a:tr>
               <a:tr h="381000">
                 <a:tc>
@@ -5166,11 +5122,6 @@
                     <a:noFill/>
                   </a:tcPr>
                 </a:tc>
-                <a:extLst>
-                  <a:ext uri="{0D108BD9-81ED-4DB2-BD59-A6C34878D82A}">
-                    <a16:rowId xmlns:a16="http://schemas.microsoft.com/office/drawing/2014/main" val="10002"/>
-                  </a:ext>
-                </a:extLst>
               </a:tr>
               <a:tr h="381000">
                 <a:tc>
@@ -5548,11 +5499,6 @@
                     <a:noFill/>
                   </a:tcPr>
                 </a:tc>
-                <a:extLst>
-                  <a:ext uri="{0D108BD9-81ED-4DB2-BD59-A6C34878D82A}">
-                    <a16:rowId xmlns:a16="http://schemas.microsoft.com/office/drawing/2014/main" val="10003"/>
-                  </a:ext>
-                </a:extLst>
               </a:tr>
               <a:tr h="381000">
                 <a:tc>
@@ -5919,11 +5865,6 @@
                     <a:noFill/>
                   </a:tcPr>
                 </a:tc>
-                <a:extLst>
-                  <a:ext uri="{0D108BD9-81ED-4DB2-BD59-A6C34878D82A}">
-                    <a16:rowId xmlns:a16="http://schemas.microsoft.com/office/drawing/2014/main" val="10004"/>
-                  </a:ext>
-                </a:extLst>
               </a:tr>
               <a:tr h="381000">
                 <a:tc>
@@ -6290,11 +6231,6 @@
                     <a:noFill/>
                   </a:tcPr>
                 </a:tc>
-                <a:extLst>
-                  <a:ext uri="{0D108BD9-81ED-4DB2-BD59-A6C34878D82A}">
-                    <a16:rowId xmlns:a16="http://schemas.microsoft.com/office/drawing/2014/main" val="10005"/>
-                  </a:ext>
-                </a:extLst>
               </a:tr>
               <a:tr h="381000">
                 <a:tc>
@@ -6661,11 +6597,6 @@
                     <a:noFill/>
                   </a:tcPr>
                 </a:tc>
-                <a:extLst>
-                  <a:ext uri="{0D108BD9-81ED-4DB2-BD59-A6C34878D82A}">
-                    <a16:rowId xmlns:a16="http://schemas.microsoft.com/office/drawing/2014/main" val="10006"/>
-                  </a:ext>
-                </a:extLst>
               </a:tr>
               <a:tr h="381000">
                 <a:tc>
@@ -7032,11 +6963,6 @@
                     <a:noFill/>
                   </a:tcPr>
                 </a:tc>
-                <a:extLst>
-                  <a:ext uri="{0D108BD9-81ED-4DB2-BD59-A6C34878D82A}">
-                    <a16:rowId xmlns:a16="http://schemas.microsoft.com/office/drawing/2014/main" val="10007"/>
-                  </a:ext>
-                </a:extLst>
               </a:tr>
             </a:tbl>
           </a:graphicData>
@@ -7160,6 +7086,7 @@
               <a:rPr lang="zh-CN" altLang="en-US" sz="2800" dirty="0"/>
               <a:t>寄存器切换频率源或者切不同频率点</a:t>
             </a:r>
+            <a:endParaRPr lang="zh-CN" altLang="en-US" sz="2800" dirty="0"/>
           </a:p>
           <a:p>
             <a:pPr marL="285750" indent="-285750">
@@ -7178,6 +7105,7 @@
               <a:rPr lang="zh-CN" altLang="en-US" sz="2800" dirty="0"/>
               <a:t>展频</a:t>
             </a:r>
+            <a:endParaRPr lang="zh-CN" altLang="en-US" sz="2800" dirty="0"/>
           </a:p>
           <a:p>
             <a:pPr>
@@ -7191,6 +7119,7 @@
               <a:rPr lang="en-US" altLang="zh-TW" sz="1400" dirty="0"/>
               <a:t>MCLK0(CAM0) switch to CLK_AUX3(XTAL_25MHz)</a:t>
             </a:r>
+            <a:endParaRPr lang="en-US" altLang="zh-TW" sz="1400" dirty="0"/>
           </a:p>
           <a:p>
             <a:pPr>
@@ -7200,6 +7129,7 @@
               <a:rPr lang="en-US" altLang="zh-TW" sz="1400" dirty="0"/>
               <a:t>devmem 0x03000150 32 0x00000101</a:t>
             </a:r>
+            <a:endParaRPr lang="en-US" altLang="zh-TW" sz="1400" dirty="0"/>
           </a:p>
           <a:p>
             <a:pPr>
@@ -7209,6 +7139,7 @@
               <a:rPr lang="en-US" altLang="zh-TW" sz="1400" dirty="0"/>
               <a:t>devmem 0x030011A0 32 2</a:t>
             </a:r>
+            <a:endParaRPr lang="en-US" altLang="zh-TW" sz="1400" dirty="0"/>
           </a:p>
           <a:p>
             <a:pPr>
@@ -7218,6 +7149,7 @@
               <a:rPr lang="en-US" altLang="zh-TW" sz="1400" dirty="0"/>
               <a:t># MCLK1 switch to CLK_AUX2 (xtal 25M)</a:t>
             </a:r>
+            <a:endParaRPr lang="en-US" altLang="zh-TW" sz="1400" dirty="0"/>
           </a:p>
           <a:p>
             <a:pPr>
@@ -7227,6 +7159,7 @@
               <a:rPr lang="en-US" altLang="zh-TW" sz="1400" dirty="0"/>
               <a:t>devmem 0x0300014C 32 0x00000101</a:t>
             </a:r>
+            <a:endParaRPr lang="en-US" altLang="zh-TW" sz="1400" dirty="0"/>
           </a:p>
           <a:p>
             <a:pPr>
@@ -7236,15 +7169,12 @@
               <a:rPr lang="en-US" altLang="zh-TW" sz="1400" dirty="0"/>
               <a:t>devmem 0x03001194 32 2</a:t>
             </a:r>
+            <a:endParaRPr lang="en-US" altLang="zh-TW" sz="1400" dirty="0"/>
           </a:p>
           <a:p>
             <a:pPr>
               <a:buFont typeface="Arial" panose="020B0604020202020204" pitchFamily="34" charset="0"/>
             </a:pPr>
-            <a:r>
-              <a:rPr lang="en-US" altLang="zh-TW" sz="1400" dirty="0"/>
-              <a:t/>
-            </a:r>
             <a:br>
               <a:rPr lang="en-US" altLang="zh-TW" sz="1400" dirty="0"/>
             </a:br>
@@ -7252,6 +7182,7 @@
               <a:rPr lang="en-US" altLang="zh-TW" sz="1400" dirty="0"/>
               <a:t>MCLK0(CAM0) switch to CLK_AUX3(DISPLL_1188/44=27MHz)</a:t>
             </a:r>
+            <a:endParaRPr lang="en-US" altLang="zh-TW" sz="1400" dirty="0"/>
           </a:p>
           <a:p>
             <a:pPr>
@@ -7261,6 +7192,7 @@
               <a:rPr lang="en-US" altLang="zh-TW" sz="1400" dirty="0"/>
               <a:t>devmem 0x03000150 32 0x00001669 </a:t>
             </a:r>
+            <a:endParaRPr lang="en-US" altLang="zh-TW" sz="1400" dirty="0"/>
           </a:p>
           <a:p>
             <a:pPr>
@@ -7270,6 +7202,7 @@
               <a:rPr lang="en-US" altLang="zh-TW" sz="1400" dirty="0"/>
               <a:t>devmem 0x030011A0 32 2</a:t>
             </a:r>
+            <a:endParaRPr lang="en-US" altLang="zh-TW" sz="1400" dirty="0"/>
           </a:p>
           <a:p>
             <a:pPr>
@@ -7279,6 +7212,7 @@
               <a:rPr lang="en-US" altLang="zh-TW" sz="1400" dirty="0"/>
               <a:t># MCLK1 switch to CLK_AUX2 (disppll 27M)</a:t>
             </a:r>
+            <a:endParaRPr lang="en-US" altLang="zh-TW" sz="1400" dirty="0"/>
           </a:p>
           <a:p>
             <a:pPr>
@@ -7288,6 +7222,7 @@
               <a:rPr lang="en-US" altLang="zh-TW" sz="1400" dirty="0"/>
               <a:t>devmem 0x0300014C 32 0x00001669</a:t>
             </a:r>
+            <a:endParaRPr lang="en-US" altLang="zh-TW" sz="1400" dirty="0"/>
           </a:p>
           <a:p>
             <a:pPr>
@@ -7297,6 +7232,7 @@
               <a:rPr lang="en-US" altLang="zh-TW" sz="1400" dirty="0"/>
               <a:t>devmem 0x03001194 32 2</a:t>
             </a:r>
+            <a:endParaRPr lang="en-US" altLang="zh-TW" sz="1400" dirty="0"/>
           </a:p>
           <a:p>
             <a:pPr>
@@ -7306,6 +7242,7 @@
               <a:rPr lang="en-US" altLang="zh-TW" sz="1400" dirty="0"/>
               <a:t># disppll_ssc_syn_span</a:t>
             </a:r>
+            <a:endParaRPr lang="en-US" altLang="zh-TW" sz="1400" dirty="0"/>
           </a:p>
           <a:p>
             <a:pPr>
@@ -7315,6 +7252,7 @@
               <a:rPr lang="en-US" altLang="zh-TW" sz="1400" dirty="0"/>
               <a:t>devmem 0x03002868 32 825</a:t>
             </a:r>
+            <a:endParaRPr lang="en-US" altLang="zh-TW" sz="1400" dirty="0"/>
           </a:p>
           <a:p>
             <a:pPr>
@@ -7324,6 +7262,7 @@
               <a:rPr lang="en-US" altLang="zh-TW" sz="1400" dirty="0"/>
               <a:t># disppll_ssc_syn_step</a:t>
             </a:r>
+            <a:endParaRPr lang="en-US" altLang="zh-TW" sz="1400" dirty="0"/>
           </a:p>
           <a:p>
             <a:pPr>
@@ -7333,6 +7272,7 @@
               <a:rPr lang="en-US" altLang="zh-TW" sz="1400" dirty="0"/>
               <a:t>devmem 0x0300286C 32 14790</a:t>
             </a:r>
+            <a:endParaRPr lang="en-US" altLang="zh-TW" sz="1400" dirty="0"/>
           </a:p>
           <a:p>
             <a:pPr>
@@ -7342,6 +7282,7 @@
               <a:rPr lang="en-US" altLang="zh-TW" sz="1400" dirty="0"/>
               <a:t># en_ssc(bit 1)</a:t>
             </a:r>
+            <a:endParaRPr lang="en-US" altLang="zh-TW" sz="1400" dirty="0"/>
           </a:p>
           <a:p>
             <a:pPr>
@@ -7351,6 +7292,7 @@
               <a:rPr lang="en-US" altLang="zh-TW" sz="1400" dirty="0"/>
               <a:t>devmem 0x03002860 32 $(($(devmem 0x03002860) | 0x02))</a:t>
             </a:r>
+            <a:endParaRPr lang="en-US" altLang="zh-TW" sz="1400" dirty="0"/>
           </a:p>
           <a:p>
             <a:pPr>
@@ -7360,6 +7302,7 @@
               <a:rPr lang="en-US" altLang="zh-TW" sz="1400" dirty="0"/>
               <a:t># bit 0 toggle</a:t>
             </a:r>
+            <a:endParaRPr lang="en-US" altLang="zh-TW" sz="1400" dirty="0"/>
           </a:p>
           <a:p>
             <a:pPr>
@@ -7369,6 +7312,7 @@
               <a:rPr lang="en-US" altLang="zh-TW" sz="1400" dirty="0"/>
               <a:t>devmem 0x03002860 32 $(($(devmem 0x03002860) ^ 0x1))</a:t>
             </a:r>
+            <a:endParaRPr lang="en-US" altLang="zh-TW" sz="1400" dirty="0"/>
           </a:p>
           <a:p>
             <a:pPr>
@@ -7400,6 +7344,7 @@
               <a:rPr lang="en-US" altLang="zh-TW" sz="1400" dirty="0"/>
               <a:t>客户用register设定看看</a:t>
             </a:r>
+            <a:endParaRPr lang="en-US" altLang="zh-TW" sz="1400" dirty="0"/>
           </a:p>
         </p:txBody>
       </p:sp>
@@ -7452,6 +7397,11 @@
               </a:rPr>
               <a:t>不同案子有差异，此处只做思路说明，不供具体参考</a:t>
             </a:r>
+            <a:endParaRPr lang="zh-CN" altLang="en-US" sz="2000" dirty="0">
+              <a:solidFill>
+                <a:srgbClr val="FF0000"/>
+              </a:solidFill>
+            </a:endParaRPr>
           </a:p>
         </p:txBody>
       </p:sp>
@@ -7552,7 +7502,7 @@
           <p:nvPr/>
         </p:nvPicPr>
         <p:blipFill>
-          <a:blip r:embed="rId2"/>
+          <a:blip r:embed="rId1"/>
           <a:stretch>
             <a:fillRect/>
           </a:stretch>
@@ -7620,6 +7570,11 @@
               </a:rPr>
               <a:t>时波形上下冲比较厉害</a:t>
             </a:r>
+            <a:endParaRPr lang="zh-CN" altLang="en-US" sz="2800" b="1" dirty="0">
+              <a:solidFill>
+                <a:srgbClr val="FF0000"/>
+              </a:solidFill>
+            </a:endParaRPr>
           </a:p>
         </p:txBody>
       </p:sp>
@@ -7786,7 +7741,7 @@
           <p:nvPr/>
         </p:nvPicPr>
         <p:blipFill>
-          <a:blip r:embed="rId2"/>
+          <a:blip r:embed="rId1"/>
           <a:stretch>
             <a:fillRect/>
           </a:stretch>
@@ -7854,6 +7809,11 @@
               </a:rPr>
               <a:t>后波形开始平滑</a:t>
             </a:r>
+            <a:endParaRPr lang="zh-CN" altLang="en-US" sz="2800" b="1" dirty="0">
+              <a:solidFill>
+                <a:srgbClr val="FF0000"/>
+              </a:solidFill>
+            </a:endParaRPr>
           </a:p>
         </p:txBody>
       </p:sp>
@@ -7954,7 +7914,7 @@
           <p:nvPr/>
         </p:nvPicPr>
         <p:blipFill>
-          <a:blip r:embed="rId2"/>
+          <a:blip r:embed="rId1"/>
           <a:stretch>
             <a:fillRect/>
           </a:stretch>
@@ -8066,7 +8026,7 @@
           <p:nvPr/>
         </p:nvPicPr>
         <p:blipFill>
-          <a:blip r:embed="rId2"/>
+          <a:blip r:embed="rId1"/>
           <a:stretch>
             <a:fillRect/>
           </a:stretch>
@@ -8130,6 +8090,11 @@
               </a:rPr>
               <a:t>后测试效果</a:t>
             </a:r>
+            <a:endParaRPr lang="zh-CN" altLang="en-US" sz="2800" b="1" dirty="0">
+              <a:solidFill>
+                <a:srgbClr val="FF0000"/>
+              </a:solidFill>
+            </a:endParaRPr>
           </a:p>
         </p:txBody>
       </p:sp>
@@ -8204,6 +8169,7 @@
               <a:rPr lang="zh-CN" altLang="en-US" sz="6000" dirty="0"/>
               <a:t>注意事项</a:t>
             </a:r>
+            <a:endParaRPr lang="zh-CN" altLang="en-US" sz="6000" dirty="0"/>
           </a:p>
           <a:p>
             <a:endParaRPr lang="zh-CN" altLang="en-US" sz="6000" dirty="0"/>
@@ -8268,6 +8234,11 @@
               </a:rPr>
               <a:t>的高速信号</a:t>
             </a:r>
+            <a:endParaRPr lang="zh-CN" altLang="en-US" sz="2000" dirty="0">
+              <a:latin typeface="宋体" panose="02010600030101010101" pitchFamily="2" charset="-122"/>
+              <a:ea typeface="宋体" panose="02010600030101010101" pitchFamily="2" charset="-122"/>
+              <a:cs typeface="宋体" panose="02010600030101010101" pitchFamily="2" charset="-122"/>
+            </a:endParaRPr>
           </a:p>
           <a:p>
             <a:pPr>
@@ -8369,6 +8340,11 @@
               </a:rPr>
               <a:t>。</a:t>
             </a:r>
+            <a:endParaRPr lang="zh-CN" altLang="en-US" sz="2000" dirty="0">
+              <a:latin typeface="宋体" panose="02010600030101010101" pitchFamily="2" charset="-122"/>
+              <a:ea typeface="宋体" panose="02010600030101010101" pitchFamily="2" charset="-122"/>
+              <a:cs typeface="宋体" panose="02010600030101010101" pitchFamily="2" charset="-122"/>
+            </a:endParaRPr>
           </a:p>
           <a:p>
             <a:pPr>
@@ -8393,14 +8369,6 @@
               </a:rPr>
               <a:t>排线、拖尾线等</a:t>
             </a:r>
-            <a:r>
-              <a:rPr lang="en-US" altLang="zh-TW" sz="2000" dirty="0">
-                <a:latin typeface="宋体" panose="02010600030101010101" pitchFamily="2" charset="-122"/>
-                <a:ea typeface="宋体" panose="02010600030101010101" pitchFamily="2" charset="-122"/>
-                <a:cs typeface="宋体" panose="02010600030101010101" pitchFamily="2" charset="-122"/>
-              </a:rPr>
-              <a:t/>
-            </a:r>
             <a:br>
               <a:rPr lang="en-US" altLang="zh-TW" sz="2000" dirty="0">
                 <a:latin typeface="宋体" panose="02010600030101010101" pitchFamily="2" charset="-122"/>
@@ -8432,6 +8400,11 @@
               </a:rPr>
               <a:t>能力放大，此类信号走线要尽可能避开高速信号、射频信号等等。</a:t>
             </a:r>
+            <a:endParaRPr lang="zh-CN" altLang="en-US" sz="2000" dirty="0">
+              <a:latin typeface="宋体" panose="02010600030101010101" pitchFamily="2" charset="-122"/>
+              <a:ea typeface="宋体" panose="02010600030101010101" pitchFamily="2" charset="-122"/>
+              <a:cs typeface="宋体" panose="02010600030101010101" pitchFamily="2" charset="-122"/>
+            </a:endParaRPr>
           </a:p>
         </p:txBody>
       </p:sp>
@@ -8444,7 +8417,7 @@
           <p:nvPr/>
         </p:nvPicPr>
         <p:blipFill>
-          <a:blip r:embed="rId2"/>
+          <a:blip r:embed="rId1"/>
           <a:stretch>
             <a:fillRect/>
           </a:stretch>
@@ -8516,6 +8489,12 @@
               </a:rPr>
               <a:t>为您服务是我的荣幸！</a:t>
             </a:r>
+            <a:endParaRPr lang="zh-CN" altLang="en-US" sz="4000" b="1" dirty="0">
+              <a:solidFill>
+                <a:srgbClr val="92D050"/>
+              </a:solidFill>
+              <a:latin typeface="+mn-lt"/>
+            </a:endParaRPr>
           </a:p>
         </p:txBody>
       </p:sp>
@@ -8590,6 +8569,7 @@
               <a:rPr lang="zh-CN" altLang="en-US" sz="6000" dirty="0"/>
               <a:t>常见问题整改思路</a:t>
             </a:r>
+            <a:endParaRPr lang="zh-CN" altLang="en-US" sz="6000" dirty="0"/>
           </a:p>
         </p:txBody>
       </p:sp>
@@ -8623,10 +8603,6 @@
               <a:rPr lang="zh-CN" altLang="en-US" sz="2400" dirty="0"/>
               <a:t>了解各个模块的工作基频</a:t>
             </a:r>
-            <a:r>
-              <a:rPr lang="en-US" altLang="zh-TW" sz="2400" dirty="0"/>
-              <a:t/>
-            </a:r>
             <a:br>
               <a:rPr lang="en-US" altLang="zh-TW" sz="2400" dirty="0"/>
             </a:br>
@@ -8641,10 +8617,6 @@
               <a:rPr lang="zh-CN" altLang="en-US" sz="2400" dirty="0"/>
               <a:t>确认结构、走线、布局等相互之间的干扰</a:t>
             </a:r>
-            <a:r>
-              <a:rPr lang="en-US" altLang="zh-TW" sz="2400" dirty="0"/>
-              <a:t/>
-            </a:r>
             <a:br>
               <a:rPr lang="en-US" altLang="zh-TW" sz="2400" dirty="0"/>
             </a:br>
@@ -8673,20 +8645,12 @@
               </a:rPr>
               <a:t>之间的关系</a:t>
             </a:r>
-            <a:r>
-              <a:rPr lang="en-US" altLang="zh-TW" sz="2400" dirty="0"/>
-              <a:t/>
-            </a:r>
             <a:br>
               <a:rPr lang="en-US" altLang="zh-TW" sz="2400" dirty="0"/>
             </a:br>
             <a:r>
               <a:rPr lang="zh-CN" altLang="en-US" sz="2400" dirty="0"/>
               <a:t>确认是倍频还是频率泄露</a:t>
-            </a:r>
-            <a:r>
-              <a:rPr lang="en-US" altLang="zh-TW" sz="2400" dirty="0"/>
-              <a:t/>
             </a:r>
             <a:br>
               <a:rPr lang="en-US" altLang="zh-TW" sz="2400" dirty="0"/>
@@ -8702,6 +8666,7 @@
               <a:rPr lang="zh-CN" altLang="en-US" sz="2400" dirty="0"/>
               <a:t>定位频率源头</a:t>
             </a:r>
+            <a:endParaRPr lang="zh-CN" altLang="en-US" sz="2400" dirty="0"/>
           </a:p>
           <a:p>
             <a:pPr marL="285750" indent="-285750">
@@ -8735,6 +8700,7 @@
               <a:rPr lang="zh-CN" altLang="en-US" sz="2400" dirty="0"/>
               <a:t>）</a:t>
             </a:r>
+            <a:endParaRPr lang="zh-CN" altLang="en-US" sz="2400" dirty="0"/>
           </a:p>
           <a:p>
             <a:pPr marL="285750" indent="-285750">
@@ -8760,6 +8726,7 @@
               <a:rPr lang="zh-CN" altLang="en-US" sz="2400" dirty="0"/>
               <a:t>与展频</a:t>
             </a:r>
+            <a:endParaRPr lang="zh-CN" altLang="en-US" sz="2400" dirty="0"/>
           </a:p>
           <a:p>
             <a:pPr marL="285750" indent="-285750">
@@ -8781,6 +8748,7 @@
               <a:rPr lang="zh-CN" altLang="en-US" sz="2400" dirty="0"/>
               <a:t>注意事项</a:t>
             </a:r>
+            <a:endParaRPr lang="zh-CN" altLang="en-US" sz="2400" dirty="0"/>
           </a:p>
         </p:txBody>
       </p:sp>
@@ -8925,10 +8893,6 @@
               </a:rPr>
               <a:t>MHz</a:t>
             </a:r>
-            <a:r>
-              <a:rPr lang="en-US" altLang="zh-TW" sz="3200" dirty="0"/>
-              <a:t/>
-            </a:r>
             <a:br>
               <a:rPr lang="en-US" altLang="zh-TW" sz="3200" dirty="0"/>
             </a:br>
@@ -8965,6 +8929,9 @@
               </a:rPr>
               <a:t>(187.5MHz/150MHz)</a:t>
             </a:r>
+            <a:endParaRPr lang="en-US" altLang="zh-CN" sz="3200" dirty="0">
+              <a:sym typeface="+mn-ea"/>
+            </a:endParaRPr>
           </a:p>
           <a:p>
             <a:pPr marL="285750" indent="-285750">
@@ -9066,10 +9033,6 @@
               <a:rPr lang="en-US" altLang="zh-CN" sz="3200" dirty="0"/>
               <a:t>)</a:t>
             </a:r>
-            <a:r>
-              <a:rPr lang="en-US" altLang="zh-TW" sz="3200" dirty="0"/>
-              <a:t/>
-            </a:r>
             <a:br>
               <a:rPr lang="en-US" altLang="zh-TW" sz="3200" dirty="0"/>
             </a:br>
@@ -9092,10 +9055,6 @@
               <a:rPr lang="en-US" altLang="zh-CN" sz="3200" dirty="0"/>
               <a:t>MIPIDSI 720P(220MHz)</a:t>
             </a:r>
-            <a:r>
-              <a:rPr lang="en-US" altLang="zh-TW" sz="3200" dirty="0"/>
-              <a:t/>
-            </a:r>
             <a:br>
               <a:rPr lang="en-US" altLang="zh-TW" sz="3200" dirty="0"/>
             </a:br>
@@ -9110,6 +9069,7 @@
               <a:rPr lang="en-US" altLang="zh-TW" sz="3200" dirty="0"/>
               <a:t>SDIO: 2.0(50MHz),3.0(200MHz)</a:t>
             </a:r>
+            <a:endParaRPr lang="en-US" altLang="zh-TW" sz="3200" dirty="0"/>
           </a:p>
           <a:p>
             <a:pPr marL="285750" indent="-285750">
@@ -9124,6 +9084,11 @@
               </a:rPr>
               <a:t>如上最好用示波器测波形，再次确认实际频率点</a:t>
             </a:r>
+            <a:endParaRPr lang="zh-CN" altLang="en-US" sz="3200" b="1" dirty="0">
+              <a:solidFill>
+                <a:srgbClr val="FF0000"/>
+              </a:solidFill>
+            </a:endParaRPr>
           </a:p>
         </p:txBody>
       </p:sp>
@@ -9230,6 +9195,7 @@
               <a:rPr lang="en-US" altLang="zh-TW" sz="3200" dirty="0"/>
               <a:t>USB: 2.0(480Mbps); 3.0(5Gbps)</a:t>
             </a:r>
+            <a:endParaRPr lang="en-US" altLang="zh-TW" sz="3200" dirty="0"/>
           </a:p>
           <a:p>
             <a:pPr marL="285750" indent="-285750">
@@ -9289,10 +9255,6 @@
               <a:rPr lang="zh-CN" altLang="en-US" sz="3200" dirty="0"/>
               <a:t>等都有</a:t>
             </a:r>
-            <a:r>
-              <a:rPr lang="en-US" altLang="zh-TW" sz="3200" dirty="0"/>
-              <a:t/>
-            </a:r>
             <a:br>
               <a:rPr lang="en-US" altLang="zh-TW" sz="3200" dirty="0"/>
             </a:br>
@@ -9315,6 +9277,7 @@
               <a:rPr lang="en-US" altLang="zh-CN" sz="3200" dirty="0"/>
               <a:t>25MHz/50MHz</a:t>
             </a:r>
+            <a:endParaRPr lang="en-US" altLang="zh-CN" sz="3200" dirty="0"/>
           </a:p>
           <a:p>
             <a:pPr marL="285750" indent="-285750">
@@ -9448,6 +9411,9 @@
               </a:rPr>
               <a:t>确认结构、走线、布局等相互之间的干扰</a:t>
             </a:r>
+            <a:endParaRPr lang="zh-CN" altLang="en-US" dirty="0">
+              <a:sym typeface="+mn-ea"/>
+            </a:endParaRPr>
           </a:p>
         </p:txBody>
       </p:sp>
@@ -9481,6 +9447,7 @@
               <a:rPr lang="zh-CN" altLang="en-US" sz="2800" dirty="0"/>
               <a:t>高速信号线材与低速信号线材不要平行，交叉点做磁屏蔽</a:t>
             </a:r>
+            <a:endParaRPr lang="zh-CN" altLang="en-US" sz="2800" dirty="0"/>
           </a:p>
           <a:p>
             <a:pPr marL="285750" indent="-285750">
@@ -9521,6 +9488,7 @@
               <a:rPr lang="en-US" altLang="zh-CN" sz="2000" dirty="0"/>
               <a:t>  </a:t>
             </a:r>
+            <a:endParaRPr lang="en-US" altLang="zh-CN" sz="2000" dirty="0"/>
           </a:p>
           <a:p>
             <a:pPr>
@@ -9567,12 +9535,12 @@
           <a:graphicData uri="http://schemas.openxmlformats.org/presentationml/2006/ole">
             <mc:AlternateContent xmlns:mc="http://schemas.openxmlformats.org/markup-compatibility/2006">
               <mc:Choice xmlns:v="urn:schemas-microsoft-com:vml" Requires="v">
-                <p:oleObj spid="_x0000_s1028" r:id="rId3" imgW="3692525" imgH="2922905" progId="Visio.Drawing.11">
+                <p:oleObj spid="_x0000_s1028" name="" r:id="rId1" imgW="3692525" imgH="2922905" progId="Visio.Drawing.11">
                   <p:embed/>
                 </p:oleObj>
               </mc:Choice>
               <mc:Fallback>
-                <p:oleObj r:id="rId3" imgW="3692525" imgH="2922905" progId="Visio.Drawing.11">
+                <p:oleObj name="" r:id="rId1" imgW="3692525" imgH="2922905" progId="Visio.Drawing.11">
                   <p:embed/>
                   <p:pic>
                     <p:nvPicPr>
@@ -9581,7 +9549,7 @@
                       <p:nvPr/>
                     </p:nvPicPr>
                     <p:blipFill>
-                      <a:blip r:embed="rId4"/>
+                      <a:blip r:embed="rId2"/>
                       <a:stretch>
                         <a:fillRect/>
                       </a:stretch>
@@ -9611,7 +9579,7 @@
           <p:nvPr/>
         </p:nvPicPr>
         <p:blipFill>
-          <a:blip r:embed="rId5"/>
+          <a:blip r:embed="rId3"/>
           <a:stretch>
             <a:fillRect/>
           </a:stretch>
@@ -9707,6 +9675,9 @@
               </a:rPr>
               <a:t>频点与基频的关系，频点相互之间的关系</a:t>
             </a:r>
+            <a:endParaRPr lang="zh-CN" altLang="en-US" sz="3600" dirty="0">
+              <a:sym typeface="+mn-ea"/>
+            </a:endParaRPr>
           </a:p>
         </p:txBody>
       </p:sp>
@@ -9719,7 +9690,7 @@
           <p:nvPr/>
         </p:nvPicPr>
         <p:blipFill>
-          <a:blip r:embed="rId2"/>
+          <a:blip r:embed="rId1"/>
           <a:stretch>
             <a:fillRect/>
           </a:stretch>
@@ -9791,6 +9762,11 @@
               </a:rPr>
               <a:t>倍</a:t>
             </a:r>
+            <a:endParaRPr lang="zh-CN" altLang="en-US" sz="2000" dirty="0">
+              <a:solidFill>
+                <a:srgbClr val="FF0000"/>
+              </a:solidFill>
+            </a:endParaRPr>
           </a:p>
         </p:txBody>
       </p:sp>
@@ -9915,6 +9891,9 @@
               </a:rPr>
               <a:t>频点与基频的关系，频点相互之间的关系</a:t>
             </a:r>
+            <a:endParaRPr lang="zh-CN" altLang="en-US" sz="3600" dirty="0">
+              <a:sym typeface="+mn-ea"/>
+            </a:endParaRPr>
           </a:p>
         </p:txBody>
       </p:sp>
@@ -9927,7 +9906,7 @@
           <p:nvPr/>
         </p:nvPicPr>
         <p:blipFill>
-          <a:blip r:embed="rId2"/>
+          <a:blip r:embed="rId1"/>
           <a:stretch>
             <a:fillRect/>
           </a:stretch>
@@ -9975,6 +9954,11 @@
               </a:rPr>
               <a:t>893.857-839.182=54.675</a:t>
             </a:r>
+            <a:endParaRPr lang="en-US" altLang="zh-TW" sz="2000" dirty="0">
+              <a:solidFill>
+                <a:srgbClr val="FF0000"/>
+              </a:solidFill>
+            </a:endParaRPr>
           </a:p>
           <a:p>
             <a:pPr>
@@ -10020,6 +10004,11 @@
               </a:rPr>
               <a:t>倍</a:t>
             </a:r>
+            <a:endParaRPr lang="zh-CN" altLang="en-US" sz="2000" dirty="0">
+              <a:solidFill>
+                <a:srgbClr val="FF0000"/>
+              </a:solidFill>
+            </a:endParaRPr>
           </a:p>
         </p:txBody>
       </p:sp>
@@ -10056,6 +10045,11 @@
               </a:rPr>
               <a:t>945.44-893.857=51.583</a:t>
             </a:r>
+            <a:endParaRPr lang="en-US" altLang="zh-TW" sz="2000" dirty="0">
+              <a:solidFill>
+                <a:srgbClr val="FF0000"/>
+              </a:solidFill>
+            </a:endParaRPr>
           </a:p>
           <a:p>
             <a:pPr>
@@ -10069,6 +10063,11 @@
               </a:rPr>
               <a:t>839.182-785.093=54.089</a:t>
             </a:r>
+            <a:endParaRPr lang="en-US" altLang="zh-CN" sz="2000" dirty="0">
+              <a:solidFill>
+                <a:srgbClr val="FF0000"/>
+              </a:solidFill>
+            </a:endParaRPr>
           </a:p>
           <a:p>
             <a:pPr>
@@ -10237,6 +10236,11 @@
               </a:rPr>
               <a:t>关闭、断开此模块</a:t>
             </a:r>
+            <a:endParaRPr lang="zh-CN" altLang="en-US" sz="2400" dirty="0">
+              <a:latin typeface="宋体" panose="02010600030101010101" pitchFamily="2" charset="-122"/>
+              <a:ea typeface="宋体" panose="02010600030101010101" pitchFamily="2" charset="-122"/>
+              <a:cs typeface="宋体" panose="02010600030101010101" pitchFamily="2" charset="-122"/>
+            </a:endParaRPr>
           </a:p>
           <a:p>
             <a:pPr>
@@ -10256,8 +10260,13 @@
                 <a:ea typeface="宋体" panose="02010600030101010101" pitchFamily="2" charset="-122"/>
                 <a:cs typeface="宋体" panose="02010600030101010101" pitchFamily="2" charset="-122"/>
               </a:rPr>
-              <a:t>拔掉、断电、直接接地等，来看此模块相关的频点是否会消失；</a:t>
-            </a:r>
+              <a:t>拔掉、断电、直接接地等，来观察此模块相关的频点是否会消失；</a:t>
+            </a:r>
+            <a:endParaRPr lang="zh-CN" altLang="en-US" sz="2400" dirty="0">
+              <a:latin typeface="宋体" panose="02010600030101010101" pitchFamily="2" charset="-122"/>
+              <a:ea typeface="宋体" panose="02010600030101010101" pitchFamily="2" charset="-122"/>
+              <a:cs typeface="宋体" panose="02010600030101010101" pitchFamily="2" charset="-122"/>
+            </a:endParaRPr>
           </a:p>
           <a:p>
             <a:pPr>
@@ -10319,6 +10328,11 @@
               </a:rPr>
               <a:t>模式；</a:t>
             </a:r>
+            <a:endParaRPr lang="zh-CN" altLang="en-US" sz="2400" dirty="0">
+              <a:latin typeface="宋体" panose="02010600030101010101" pitchFamily="2" charset="-122"/>
+              <a:ea typeface="宋体" panose="02010600030101010101" pitchFamily="2" charset="-122"/>
+              <a:cs typeface="宋体" panose="02010600030101010101" pitchFamily="2" charset="-122"/>
+            </a:endParaRPr>
           </a:p>
           <a:p>
             <a:pPr>
@@ -10343,6 +10357,11 @@
               </a:rPr>
               <a:t>屏蔽、隔离此模块</a:t>
             </a:r>
+            <a:endParaRPr lang="zh-CN" altLang="en-US" sz="2400" dirty="0">
+              <a:latin typeface="宋体" panose="02010600030101010101" pitchFamily="2" charset="-122"/>
+              <a:ea typeface="宋体" panose="02010600030101010101" pitchFamily="2" charset="-122"/>
+              <a:cs typeface="宋体" panose="02010600030101010101" pitchFamily="2" charset="-122"/>
+            </a:endParaRPr>
           </a:p>
           <a:p>
             <a:pPr>
@@ -10363,14 +10382,6 @@
                 <a:cs typeface="宋体" panose="02010600030101010101" pitchFamily="2" charset="-122"/>
               </a:rPr>
               <a:t>用屏蔽罩、磁性材料等先做个隔离，看是否会消失；</a:t>
-            </a:r>
-            <a:r>
-              <a:rPr lang="en-US" altLang="zh-TW" sz="2400" dirty="0">
-                <a:latin typeface="宋体" panose="02010600030101010101" pitchFamily="2" charset="-122"/>
-                <a:ea typeface="宋体" panose="02010600030101010101" pitchFamily="2" charset="-122"/>
-                <a:cs typeface="宋体" panose="02010600030101010101" pitchFamily="2" charset="-122"/>
-              </a:rPr>
-              <a:t/>
             </a:r>
             <a:br>
               <a:rPr lang="en-US" altLang="zh-TW" sz="2400" dirty="0">
@@ -10398,6 +10409,11 @@
               </a:rPr>
               <a:t>改变此模块的工作频点</a:t>
             </a:r>
+            <a:endParaRPr lang="zh-CN" altLang="en-US" sz="2400" dirty="0">
+              <a:latin typeface="宋体" panose="02010600030101010101" pitchFamily="2" charset="-122"/>
+              <a:ea typeface="宋体" panose="02010600030101010101" pitchFamily="2" charset="-122"/>
+              <a:cs typeface="宋体" panose="02010600030101010101" pitchFamily="2" charset="-122"/>
+            </a:endParaRPr>
           </a:p>
           <a:p>
             <a:pPr>
@@ -10455,6 +10471,7 @@
               <a:rPr lang="zh-CN" altLang="en-US" sz="2800" dirty="0"/>
               <a:t>；</a:t>
             </a:r>
+            <a:endParaRPr lang="zh-CN" altLang="en-US" sz="2800" dirty="0"/>
           </a:p>
           <a:p>
             <a:pPr>
@@ -10474,6 +10491,11 @@
               </a:rPr>
               <a:t>如上实验务必确保到位！！！</a:t>
             </a:r>
+            <a:endParaRPr lang="zh-CN" altLang="en-US" sz="3200" b="1" dirty="0">
+              <a:solidFill>
+                <a:srgbClr val="FF0000"/>
+              </a:solidFill>
+            </a:endParaRPr>
           </a:p>
         </p:txBody>
       </p:sp>
@@ -10623,6 +10645,11 @@
               </a:rPr>
               <a:t>驱动能力与波形转换速率</a:t>
             </a:r>
+            <a:endParaRPr lang="zh-CN" altLang="en-US" sz="2400" dirty="0">
+              <a:latin typeface="+mn-ea"/>
+              <a:ea typeface="+mn-ea"/>
+              <a:cs typeface="+mn-ea"/>
+            </a:endParaRPr>
           </a:p>
           <a:p>
             <a:pPr>
@@ -10764,6 +10791,11 @@
               </a:rPr>
               <a:t>倍左右比较合适。</a:t>
             </a:r>
+            <a:endParaRPr lang="zh-CN" altLang="en-US" sz="2400" dirty="0">
+              <a:latin typeface="+mn-ea"/>
+              <a:ea typeface="+mn-ea"/>
+              <a:cs typeface="+mn-ea"/>
+            </a:endParaRPr>
           </a:p>
         </p:txBody>
       </p:sp>
@@ -10776,7 +10808,7 @@
           <p:nvPr/>
         </p:nvPicPr>
         <p:blipFill>
-          <a:blip r:embed="rId2"/>
+          <a:blip r:embed="rId1"/>
           <a:stretch>
             <a:fillRect/>
           </a:stretch>
@@ -10801,16 +10833,17 @@
 </file>
 
 <file path=ppt/tags/tag1.xml><?xml version="1.0" encoding="utf-8"?>
-<p:tagLst xmlns:a="http://schemas.openxmlformats.org/drawingml/2006/main" xmlns:r="http://schemas.openxmlformats.org/officeDocument/2006/relationships" xmlns:p="http://schemas.openxmlformats.org/presentationml/2006/main">
-  <p:tag name="COMMONDATA" val="eyJoZGlkIjoiYjI5NWYwMjcxODBiMjdhOTZjMmM0MTcxMTBmNWEwOGIifQ=="/>
+<p:tagLst xmlns:p="http://schemas.openxmlformats.org/presentationml/2006/main">
+  <p:tag name="KSO_WM_UNIT_TABLE_BEAUTIFY" val="smartTable{bdc93993-3a8e-4c8f-a89f-bad95e0b2bb4}"/>
+  <p:tag name="TABLE_ENDDRAG_ORIGIN_RECT" val="955*239"/>
+  <p:tag name="TABLE_ENDDRAG_RECT" val="0*273*955*239"/>
 </p:tagLst>
 </file>
 
 <file path=ppt/tags/tag2.xml><?xml version="1.0" encoding="utf-8"?>
-<p:tagLst xmlns:a="http://schemas.openxmlformats.org/drawingml/2006/main" xmlns:r="http://schemas.openxmlformats.org/officeDocument/2006/relationships" xmlns:p="http://schemas.openxmlformats.org/presentationml/2006/main">
-  <p:tag name="KSO_WM_UNIT_TABLE_BEAUTIFY" val="smartTable{bdc93993-3a8e-4c8f-a89f-bad95e0b2bb4}"/>
-  <p:tag name="TABLE_ENDDRAG_ORIGIN_RECT" val="955*239"/>
-  <p:tag name="TABLE_ENDDRAG_RECT" val="0*273*955*239"/>
+<p:tagLst xmlns:p="http://schemas.openxmlformats.org/presentationml/2006/main">
+  <p:tag name="COMMONDATA" val="eyJoZGlkIjoiYjI5NWYwMjcxODBiMjdhOTZjMmM0MTcxMTBmNWEwOGIifQ=="/>
+  <p:tag name="commondata" val="eyJoZGlkIjoiZjEyZGE4MmI4ZTY1OWMyN2NkZGRiNmE1ZGZlNDI0YWEifQ=="/>
 </p:tagLst>
 </file>
 
@@ -11134,7 +11167,6 @@
       </a:lstStyle>
     </a:txDef>
   </a:objectDefaults>
-  <a:extraClrSchemeLst/>
   <a:extLst>
     <a:ext uri="{05A4C25C-085E-4340-85A3-A5531E510DB2}">
       <thm15:themeFamily xmlns:thm15="http://schemas.microsoft.com/office/thememl/2012/main" name="Office Theme" id="{62F939B6-93AF-4DB8-9C6B-D6C7DFDC589F}" vid="{4A3C46E8-61CC-4603-A589-7422A47A8E4A}"/>
@@ -12176,7 +12208,6 @@
       </a:style>
     </a:txDef>
   </a:objectDefaults>
-  <a:extraClrSchemeLst/>
   <a:extLst>
     <a:ext uri="{05A4C25C-085E-4340-85A3-A5531E510DB2}">
       <thm15:themeFamily xmlns:thm15="http://schemas.microsoft.com/office/thememl/2012/main" name="Office Theme" id="{62F939B6-93AF-4DB8-9C6B-D6C7DFDC589F}" vid="{4A3C46E8-61CC-4603-A589-7422A47A8E4A}"/>
